--- a/06. Android.pptx
+++ b/06. Android.pptx
@@ -127,6 +127,10 @@
 </p:presentation>
 </file>
 
+<file path=ppt/revisionInfo.xml><?xml version="1.0" encoding="utf-8"?>
+<p1510:revInfo xmlns:a="http://schemas.openxmlformats.org/drawingml/2006/main" xmlns:r="http://schemas.openxmlformats.org/officeDocument/2006/relationships" xmlns:p1510="http://schemas.microsoft.com/office/powerpoint/2015/10/main"/>
+</file>
+
 <file path=ppt/notesMasters/notesMaster1.xml><?xml version="1.0" encoding="utf-8"?>
 <p:notesMaster xmlns:a="http://schemas.openxmlformats.org/drawingml/2006/main" xmlns:r="http://schemas.openxmlformats.org/officeDocument/2006/relationships" xmlns:p="http://schemas.openxmlformats.org/presentationml/2006/main">
   <p:cSld>
@@ -209,7 +213,7 @@
           <a:p>
             <a:fld id="{5AB1FE40-DCA9-46AA-B0B6-270157A0F8B3}" type="datetimeFigureOut">
               <a:rPr lang="ru-RU" smtClean="0"/>
-              <a:t>09.01.2018</a:t>
+              <a:t>14.01.2018</a:t>
             </a:fld>
             <a:endParaRPr lang="ru-RU"/>
           </a:p>
@@ -1199,7 +1203,7 @@
             <a:fld id="{B61BEF0D-F0BB-DE4B-95CE-6DB70DBA9567}" type="datetimeFigureOut">
               <a:rPr lang="en-US" dirty="0"/>
               <a:pPr/>
-              <a:t>1/9/2018</a:t>
+              <a:t>1/14/2018</a:t>
             </a:fld>
             <a:endParaRPr lang="en-US" dirty="0"/>
           </a:p>
@@ -1447,7 +1451,7 @@
             <a:fld id="{B61BEF0D-F0BB-DE4B-95CE-6DB70DBA9567}" type="datetimeFigureOut">
               <a:rPr lang="en-US" dirty="0"/>
               <a:pPr/>
-              <a:t>1/9/2018</a:t>
+              <a:t>1/14/2018</a:t>
             </a:fld>
             <a:endParaRPr lang="en-US" dirty="0"/>
           </a:p>
@@ -1758,7 +1762,7 @@
             <a:fld id="{B61BEF0D-F0BB-DE4B-95CE-6DB70DBA9567}" type="datetimeFigureOut">
               <a:rPr lang="en-US" dirty="0"/>
               <a:pPr/>
-              <a:t>1/9/2018</a:t>
+              <a:t>1/14/2018</a:t>
             </a:fld>
             <a:endParaRPr lang="en-US" dirty="0"/>
           </a:p>
@@ -2096,7 +2100,7 @@
             <a:fld id="{B61BEF0D-F0BB-DE4B-95CE-6DB70DBA9567}" type="datetimeFigureOut">
               <a:rPr lang="en-US" dirty="0"/>
               <a:pPr/>
-              <a:t>1/9/2018</a:t>
+              <a:t>1/14/2018</a:t>
             </a:fld>
             <a:endParaRPr lang="en-US" dirty="0"/>
           </a:p>
@@ -2407,7 +2411,7 @@
             <a:fld id="{B61BEF0D-F0BB-DE4B-95CE-6DB70DBA9567}" type="datetimeFigureOut">
               <a:rPr lang="en-US" dirty="0"/>
               <a:pPr/>
-              <a:t>1/9/2018</a:t>
+              <a:t>1/14/2018</a:t>
             </a:fld>
             <a:endParaRPr lang="en-US" dirty="0"/>
           </a:p>
@@ -2797,7 +2801,7 @@
             <a:fld id="{B61BEF0D-F0BB-DE4B-95CE-6DB70DBA9567}" type="datetimeFigureOut">
               <a:rPr lang="en-US" dirty="0"/>
               <a:pPr/>
-              <a:t>1/9/2018</a:t>
+              <a:t>1/14/2018</a:t>
             </a:fld>
             <a:endParaRPr lang="en-US" dirty="0"/>
           </a:p>
@@ -2963,7 +2967,7 @@
           <a:p>
             <a:fld id="{55C6B4A9-1611-4792-9094-5F34BCA07E0B}" type="datetimeFigureOut">
               <a:rPr lang="en-US" dirty="0"/>
-              <a:t>1/9/2018</a:t>
+              <a:t>1/14/2018</a:t>
             </a:fld>
             <a:endParaRPr lang="en-US" dirty="0"/>
           </a:p>
@@ -3139,7 +3143,7 @@
             <a:fld id="{B61BEF0D-F0BB-DE4B-95CE-6DB70DBA9567}" type="datetimeFigureOut">
               <a:rPr lang="en-US" dirty="0"/>
               <a:pPr/>
-              <a:t>1/9/2018</a:t>
+              <a:t>1/14/2018</a:t>
             </a:fld>
             <a:endParaRPr lang="en-US" dirty="0"/>
           </a:p>
@@ -3612,7 +3616,7 @@
             <a:fld id="{B61BEF0D-F0BB-DE4B-95CE-6DB70DBA9567}" type="datetimeFigureOut">
               <a:rPr lang="en-US" dirty="0"/>
               <a:pPr/>
-              <a:t>1/9/2018</a:t>
+              <a:t>1/14/2018</a:t>
             </a:fld>
             <a:endParaRPr lang="en-US" dirty="0"/>
           </a:p>
@@ -3856,7 +3860,7 @@
             <a:fld id="{B61BEF0D-F0BB-DE4B-95CE-6DB70DBA9567}" type="datetimeFigureOut">
               <a:rPr lang="en-US" dirty="0"/>
               <a:pPr/>
-              <a:t>1/9/2018</a:t>
+              <a:t>1/14/2018</a:t>
             </a:fld>
             <a:endParaRPr lang="en-US" dirty="0"/>
           </a:p>
@@ -4084,7 +4088,7 @@
           <a:p>
             <a:fld id="{EB712588-04B1-427B-82EE-E8DB90309F08}" type="datetimeFigureOut">
               <a:rPr lang="en-US" dirty="0"/>
-              <a:t>1/9/2018</a:t>
+              <a:t>1/14/2018</a:t>
             </a:fld>
             <a:endParaRPr lang="en-US" dirty="0"/>
           </a:p>
@@ -4454,7 +4458,7 @@
             <a:fld id="{B61BEF0D-F0BB-DE4B-95CE-6DB70DBA9567}" type="datetimeFigureOut">
               <a:rPr lang="en-US" dirty="0"/>
               <a:pPr/>
-              <a:t>1/9/2018</a:t>
+              <a:t>1/14/2018</a:t>
             </a:fld>
             <a:endParaRPr lang="en-US" dirty="0"/>
           </a:p>
@@ -4582,7 +4586,7 @@
             <a:fld id="{B61BEF0D-F0BB-DE4B-95CE-6DB70DBA9567}" type="datetimeFigureOut">
               <a:rPr lang="en-US" dirty="0"/>
               <a:pPr/>
-              <a:t>1/9/2018</a:t>
+              <a:t>1/14/2018</a:t>
             </a:fld>
             <a:endParaRPr lang="en-US" dirty="0"/>
           </a:p>
@@ -4674,7 +4678,7 @@
             <a:fld id="{B61BEF0D-F0BB-DE4B-95CE-6DB70DBA9567}" type="datetimeFigureOut">
               <a:rPr lang="en-US" dirty="0"/>
               <a:pPr/>
-              <a:t>1/9/2018</a:t>
+              <a:t>1/14/2018</a:t>
             </a:fld>
             <a:endParaRPr lang="en-US" dirty="0"/>
           </a:p>
@@ -4925,7 +4929,7 @@
           <a:p>
             <a:fld id="{42A54C80-263E-416B-A8E0-580EDEADCBDC}" type="datetimeFigureOut">
               <a:rPr lang="en-US" dirty="0"/>
-              <a:t>1/9/2018</a:t>
+              <a:t>1/14/2018</a:t>
             </a:fld>
             <a:endParaRPr lang="en-US" dirty="0"/>
           </a:p>
@@ -5184,7 +5188,7 @@
             <a:fld id="{B61BEF0D-F0BB-DE4B-95CE-6DB70DBA9567}" type="datetimeFigureOut">
               <a:rPr lang="en-US" dirty="0"/>
               <a:pPr/>
-              <a:t>1/9/2018</a:t>
+              <a:t>1/14/2018</a:t>
             </a:fld>
             <a:endParaRPr lang="en-US" dirty="0"/>
           </a:p>
@@ -5924,7 +5928,7 @@
             <a:fld id="{B61BEF0D-F0BB-DE4B-95CE-6DB70DBA9567}" type="datetimeFigureOut">
               <a:rPr lang="en-US" dirty="0"/>
               <a:pPr/>
-              <a:t>1/9/2018</a:t>
+              <a:t>1/14/2018</a:t>
             </a:fld>
             <a:endParaRPr lang="en-US" dirty="0"/>
           </a:p>
@@ -7203,23 +7207,20 @@
               </a:rPr>
               <a:t>Android. </a:t>
             </a:r>
-            <a:r>
-              <a:rPr lang="ru-RU" sz="5600" dirty="0">
-                <a:solidFill>
-                  <a:srgbClr val="FFFFFF"/>
-                </a:solidFill>
-              </a:rPr>
-              <a:t>Сервисы</a:t>
-            </a:r>
-          </a:p>
-        </p:txBody>
-      </p:sp>
-      <p:sp>
-        <p:nvSpPr>
-          <p:cNvPr id="3" name="Подзаголовок 2">
+            <a:endParaRPr lang="ru-RU" sz="5600" dirty="0">
+              <a:solidFill>
+                <a:srgbClr val="FFFFFF"/>
+              </a:solidFill>
+            </a:endParaRPr>
+          </a:p>
+        </p:txBody>
+      </p:sp>
+      <p:sp>
+        <p:nvSpPr>
+          <p:cNvPr id="5" name="Подзаголовок 4">
             <a:extLst>
               <a:ext uri="{FF2B5EF4-FFF2-40B4-BE49-F238E27FC236}">
-                <a16:creationId xmlns:a16="http://schemas.microsoft.com/office/drawing/2014/main" id="{32A72093-2AD6-4F0C-8B0D-26A1F3395318}"/>
+                <a16:creationId xmlns:a16="http://schemas.microsoft.com/office/drawing/2014/main" id="{1419CC73-EBF5-468B-A4C4-2C0B2239A2B9}"/>
               </a:ext>
             </a:extLst>
           </p:cNvPr>
@@ -7230,29 +7231,12 @@
             <p:ph type="subTitle" idx="1"/>
           </p:nvPr>
         </p:nvSpPr>
-        <p:spPr>
-          <a:xfrm>
-            <a:off x="4548104" y="3962088"/>
-            <a:ext cx="6112077" cy="1186108"/>
-          </a:xfrm>
-        </p:spPr>
-        <p:txBody>
-          <a:bodyPr>
-            <a:normAutofit/>
-          </a:bodyPr>
+        <p:spPr/>
+        <p:txBody>
+          <a:bodyPr/>
           <a:lstStyle/>
           <a:p>
-            <a:r>
-              <a:rPr lang="ru-RU" dirty="0"/>
-              <a:t>Работа с сервисами</a:t>
-            </a:r>
-            <a:endParaRPr lang="ru-RU" sz="1400" dirty="0">
-              <a:solidFill>
-                <a:srgbClr val="FFFFFF">
-                  <a:alpha val="70000"/>
-                </a:srgbClr>
-              </a:solidFill>
-            </a:endParaRPr>
+            <a:endParaRPr lang="ru-RU"/>
           </a:p>
         </p:txBody>
       </p:sp>
